--- a/docs/FlyWithMe.pptx
+++ b/docs/FlyWithMe.pptx
@@ -109,6 +109,11 @@
       </a:defRPr>
     </a:lvl9pPr>
   </p:defaultTextStyle>
+  <p:extLst>
+    <p:ext uri="{EFAFB233-063F-42B5-8137-9DF3F51BA10A}">
+      <p15:sldGuideLst xmlns:p15="http://schemas.microsoft.com/office/powerpoint/2012/main"/>
+    </p:ext>
+  </p:extLst>
 </p:presentation>
 </file>
 
@@ -259,7 +264,7 @@
           <a:p>
             <a:fld id="{938E2BAF-EA06-477A-A333-9CB95B0D2828}" type="datetimeFigureOut">
               <a:rPr lang="hu-HU" smtClean="0"/>
-              <a:t>2023. 10. 04.</a:t>
+              <a:t>2023. 10. 05.</a:t>
             </a:fld>
             <a:endParaRPr lang="hu-HU"/>
           </a:p>
@@ -457,7 +462,7 @@
           <a:p>
             <a:fld id="{938E2BAF-EA06-477A-A333-9CB95B0D2828}" type="datetimeFigureOut">
               <a:rPr lang="hu-HU" smtClean="0"/>
-              <a:t>2023. 10. 04.</a:t>
+              <a:t>2023. 10. 05.</a:t>
             </a:fld>
             <a:endParaRPr lang="hu-HU"/>
           </a:p>
@@ -665,7 +670,7 @@
           <a:p>
             <a:fld id="{938E2BAF-EA06-477A-A333-9CB95B0D2828}" type="datetimeFigureOut">
               <a:rPr lang="hu-HU" smtClean="0"/>
-              <a:t>2023. 10. 04.</a:t>
+              <a:t>2023. 10. 05.</a:t>
             </a:fld>
             <a:endParaRPr lang="hu-HU"/>
           </a:p>
@@ -863,7 +868,7 @@
           <a:p>
             <a:fld id="{938E2BAF-EA06-477A-A333-9CB95B0D2828}" type="datetimeFigureOut">
               <a:rPr lang="hu-HU" smtClean="0"/>
-              <a:t>2023. 10. 04.</a:t>
+              <a:t>2023. 10. 05.</a:t>
             </a:fld>
             <a:endParaRPr lang="hu-HU"/>
           </a:p>
@@ -1138,7 +1143,7 @@
           <a:p>
             <a:fld id="{938E2BAF-EA06-477A-A333-9CB95B0D2828}" type="datetimeFigureOut">
               <a:rPr lang="hu-HU" smtClean="0"/>
-              <a:t>2023. 10. 04.</a:t>
+              <a:t>2023. 10. 05.</a:t>
             </a:fld>
             <a:endParaRPr lang="hu-HU"/>
           </a:p>
@@ -1403,7 +1408,7 @@
           <a:p>
             <a:fld id="{938E2BAF-EA06-477A-A333-9CB95B0D2828}" type="datetimeFigureOut">
               <a:rPr lang="hu-HU" smtClean="0"/>
-              <a:t>2023. 10. 04.</a:t>
+              <a:t>2023. 10. 05.</a:t>
             </a:fld>
             <a:endParaRPr lang="hu-HU"/>
           </a:p>
@@ -1815,7 +1820,7 @@
           <a:p>
             <a:fld id="{938E2BAF-EA06-477A-A333-9CB95B0D2828}" type="datetimeFigureOut">
               <a:rPr lang="hu-HU" smtClean="0"/>
-              <a:t>2023. 10. 04.</a:t>
+              <a:t>2023. 10. 05.</a:t>
             </a:fld>
             <a:endParaRPr lang="hu-HU"/>
           </a:p>
@@ -1956,7 +1961,7 @@
           <a:p>
             <a:fld id="{938E2BAF-EA06-477A-A333-9CB95B0D2828}" type="datetimeFigureOut">
               <a:rPr lang="hu-HU" smtClean="0"/>
-              <a:t>2023. 10. 04.</a:t>
+              <a:t>2023. 10. 05.</a:t>
             </a:fld>
             <a:endParaRPr lang="hu-HU"/>
           </a:p>
@@ -2069,7 +2074,7 @@
           <a:p>
             <a:fld id="{938E2BAF-EA06-477A-A333-9CB95B0D2828}" type="datetimeFigureOut">
               <a:rPr lang="hu-HU" smtClean="0"/>
-              <a:t>2023. 10. 04.</a:t>
+              <a:t>2023. 10. 05.</a:t>
             </a:fld>
             <a:endParaRPr lang="hu-HU"/>
           </a:p>
@@ -2380,7 +2385,7 @@
           <a:p>
             <a:fld id="{938E2BAF-EA06-477A-A333-9CB95B0D2828}" type="datetimeFigureOut">
               <a:rPr lang="hu-HU" smtClean="0"/>
-              <a:t>2023. 10. 04.</a:t>
+              <a:t>2023. 10. 05.</a:t>
             </a:fld>
             <a:endParaRPr lang="hu-HU"/>
           </a:p>
@@ -2668,7 +2673,7 @@
           <a:p>
             <a:fld id="{938E2BAF-EA06-477A-A333-9CB95B0D2828}" type="datetimeFigureOut">
               <a:rPr lang="hu-HU" smtClean="0"/>
-              <a:t>2023. 10. 04.</a:t>
+              <a:t>2023. 10. 05.</a:t>
             </a:fld>
             <a:endParaRPr lang="hu-HU"/>
           </a:p>
@@ -2909,7 +2914,7 @@
           <a:p>
             <a:fld id="{938E2BAF-EA06-477A-A333-9CB95B0D2828}" type="datetimeFigureOut">
               <a:rPr lang="hu-HU" smtClean="0"/>
-              <a:t>2023. 10. 04.</a:t>
+              <a:t>2023. 10. 05.</a:t>
             </a:fld>
             <a:endParaRPr lang="hu-HU"/>
           </a:p>
@@ -3488,9 +3493,12 @@
           <a:p>
             <a:r>
               <a:rPr lang="hu-HU" dirty="0" err="1"/>
-              <a:t>react</a:t>
-            </a:r>
-            <a:endParaRPr lang="hu-HU" dirty="0"/>
+              <a:t>React</a:t>
+            </a:r>
+            <a:r>
+              <a:rPr lang="hu-HU" dirty="0"/>
+              <a:t>(LŐRIKÚR)</a:t>
+            </a:r>
           </a:p>
         </p:txBody>
       </p:sp>
@@ -3565,44 +3573,184 @@
             <p:ph type="title"/>
           </p:nvPr>
         </p:nvSpPr>
-        <p:spPr/>
-        <p:txBody>
-          <a:bodyPr/>
-          <a:lstStyle/>
-          <a:p>
+        <p:spPr>
+          <a:xfrm>
+            <a:off x="429410" y="182563"/>
+            <a:ext cx="10515600" cy="1325563"/>
+          </a:xfrm>
+        </p:spPr>
+        <p:txBody>
+          <a:bodyPr/>
+          <a:lstStyle/>
+          <a:p>
+            <a:r>
+              <a:rPr lang="hu-HU" dirty="0"/>
+              <a:t>PHP + MYSQL</a:t>
+            </a:r>
+          </a:p>
+        </p:txBody>
+      </p:sp>
+      <p:sp>
+        <p:nvSpPr>
+          <p:cNvPr id="3" name="Tartalom helye 2">
+            <a:extLst>
+              <a:ext uri="{FF2B5EF4-FFF2-40B4-BE49-F238E27FC236}">
+                <a16:creationId xmlns:a16="http://schemas.microsoft.com/office/drawing/2014/main" id="{C40EBBF9-56CA-458B-8C77-8F18DF395EA6}"/>
+              </a:ext>
+            </a:extLst>
+          </p:cNvPr>
+          <p:cNvSpPr>
+            <a:spLocks noGrp="1"/>
+          </p:cNvSpPr>
+          <p:nvPr>
+            <p:ph idx="1"/>
+          </p:nvPr>
+        </p:nvSpPr>
+        <p:spPr>
+          <a:xfrm>
+            <a:off x="214704" y="1991902"/>
+            <a:ext cx="6206463" cy="4351338"/>
+          </a:xfrm>
+        </p:spPr>
+        <p:txBody>
+          <a:bodyPr/>
+          <a:lstStyle/>
+          <a:p>
+            <a:pPr marL="0" indent="0">
+              <a:buNone/>
+            </a:pPr>
+            <a:r>
+              <a:rPr lang="hu-HU" dirty="0"/>
+              <a:t>PHP kód létrehozás,</a:t>
+            </a:r>
+          </a:p>
+          <a:p>
+            <a:pPr marL="0" indent="0">
+              <a:buNone/>
+            </a:pPr>
+            <a:r>
+              <a:rPr lang="hu-HU" dirty="0"/>
+              <a:t>Konvertálás JSON fájlba(Ne kelljen </a:t>
+            </a:r>
             <a:r>
               <a:rPr lang="hu-HU" dirty="0" err="1"/>
-              <a:t>Php+sql</a:t>
-            </a:r>
+              <a:t>splitelni</a:t>
+            </a:r>
+            <a:r>
+              <a:rPr lang="hu-HU" dirty="0"/>
+              <a:t>)</a:t>
+            </a:r>
+          </a:p>
+          <a:p>
+            <a:pPr marL="0" indent="0">
+              <a:buNone/>
+            </a:pPr>
             <a:endParaRPr lang="hu-HU" dirty="0"/>
           </a:p>
-        </p:txBody>
-      </p:sp>
-      <p:sp>
-        <p:nvSpPr>
-          <p:cNvPr id="3" name="Tartalom helye 2">
-            <a:extLst>
-              <a:ext uri="{FF2B5EF4-FFF2-40B4-BE49-F238E27FC236}">
-                <a16:creationId xmlns:a16="http://schemas.microsoft.com/office/drawing/2014/main" id="{C40EBBF9-56CA-458B-8C77-8F18DF395EA6}"/>
-              </a:ext>
-            </a:extLst>
-          </p:cNvPr>
-          <p:cNvSpPr>
-            <a:spLocks noGrp="1"/>
-          </p:cNvSpPr>
-          <p:nvPr>
-            <p:ph idx="1"/>
-          </p:nvPr>
-        </p:nvSpPr>
-        <p:spPr/>
-        <p:txBody>
-          <a:bodyPr/>
-          <a:lstStyle/>
-          <a:p>
-            <a:endParaRPr lang="hu-HU"/>
-          </a:p>
-        </p:txBody>
-      </p:sp>
+          <a:p>
+            <a:pPr marL="0" indent="0">
+              <a:buNone/>
+            </a:pPr>
+            <a:r>
+              <a:rPr lang="hu-HU" dirty="0" err="1"/>
+              <a:t>MySQL</a:t>
+            </a:r>
+            <a:r>
+              <a:rPr lang="hu-HU" dirty="0"/>
+              <a:t> adatok feltöltése Wikipediáról egyesével</a:t>
+            </a:r>
+          </a:p>
+          <a:p>
+            <a:pPr marL="0" indent="0">
+              <a:buNone/>
+            </a:pPr>
+            <a:r>
+              <a:rPr lang="hu-HU" dirty="0"/>
+              <a:t>Adatok lekérdezése </a:t>
+            </a:r>
+            <a:r>
+              <a:rPr lang="hu-HU" dirty="0" err="1"/>
+              <a:t>PhP</a:t>
+            </a:r>
+            <a:r>
+              <a:rPr lang="hu-HU" dirty="0"/>
+              <a:t>-ban</a:t>
+            </a:r>
+          </a:p>
+        </p:txBody>
+      </p:sp>
+      <p:pic>
+        <p:nvPicPr>
+          <p:cNvPr id="5" name="Kép 4">
+            <a:extLst>
+              <a:ext uri="{FF2B5EF4-FFF2-40B4-BE49-F238E27FC236}">
+                <a16:creationId xmlns:a16="http://schemas.microsoft.com/office/drawing/2014/main" id="{6C57602E-42A3-49F3-9A96-8FB5D4A9F04A}"/>
+              </a:ext>
+            </a:extLst>
+          </p:cNvPr>
+          <p:cNvPicPr>
+            <a:picLocks noChangeAspect="1"/>
+          </p:cNvPicPr>
+          <p:nvPr/>
+        </p:nvPicPr>
+        <p:blipFill>
+          <a:blip r:embed="rId2">
+            <a:extLst>
+              <a:ext uri="{28A0092B-C50C-407E-A947-70E740481C1C}">
+                <a14:useLocalDpi xmlns:a14="http://schemas.microsoft.com/office/drawing/2010/main" val="0"/>
+              </a:ext>
+            </a:extLst>
+          </a:blip>
+          <a:stretch>
+            <a:fillRect/>
+          </a:stretch>
+        </p:blipFill>
+        <p:spPr>
+          <a:xfrm>
+            <a:off x="6206463" y="0"/>
+            <a:ext cx="5985537" cy="3743661"/>
+          </a:xfrm>
+          <a:prstGeom prst="rect">
+            <a:avLst/>
+          </a:prstGeom>
+        </p:spPr>
+      </p:pic>
+      <p:pic>
+        <p:nvPicPr>
+          <p:cNvPr id="7" name="Kép 6">
+            <a:extLst>
+              <a:ext uri="{FF2B5EF4-FFF2-40B4-BE49-F238E27FC236}">
+                <a16:creationId xmlns:a16="http://schemas.microsoft.com/office/drawing/2014/main" id="{DCF330F0-3A2C-4BD9-9778-F19BC06DC3F1}"/>
+              </a:ext>
+            </a:extLst>
+          </p:cNvPr>
+          <p:cNvPicPr>
+            <a:picLocks noChangeAspect="1"/>
+          </p:cNvPicPr>
+          <p:nvPr/>
+        </p:nvPicPr>
+        <p:blipFill>
+          <a:blip r:embed="rId3">
+            <a:extLst>
+              <a:ext uri="{28A0092B-C50C-407E-A947-70E740481C1C}">
+                <a14:useLocalDpi xmlns:a14="http://schemas.microsoft.com/office/drawing/2010/main" val="0"/>
+              </a:ext>
+            </a:extLst>
+          </a:blip>
+          <a:stretch>
+            <a:fillRect/>
+          </a:stretch>
+        </p:blipFill>
+        <p:spPr>
+          <a:xfrm>
+            <a:off x="6206462" y="3743925"/>
+            <a:ext cx="5985537" cy="3100917"/>
+          </a:xfrm>
+          <a:prstGeom prst="rect">
+            <a:avLst/>
+          </a:prstGeom>
+        </p:spPr>
+      </p:pic>
     </p:spTree>
     <p:extLst>
       <p:ext uri="{BB962C8B-B14F-4D97-AF65-F5344CB8AC3E}">
@@ -3655,38 +3803,154 @@
           <a:lstStyle/>
           <a:p>
             <a:r>
+              <a:rPr lang="hu-HU" dirty="0"/>
+              <a:t>API(=</a:t>
+            </a:r>
+            <a:r>
+              <a:rPr lang="hu-HU" dirty="0" err="1"/>
+              <a:t>Application</a:t>
+            </a:r>
+            <a:r>
+              <a:rPr lang="hu-HU" dirty="0"/>
+              <a:t> </a:t>
+            </a:r>
+            <a:r>
+              <a:rPr lang="hu-HU" dirty="0" err="1"/>
+              <a:t>Programming</a:t>
+            </a:r>
+            <a:r>
+              <a:rPr lang="hu-HU" dirty="0"/>
+              <a:t> </a:t>
+            </a:r>
+            <a:r>
+              <a:rPr lang="hu-HU" dirty="0" err="1"/>
+              <a:t>Interface</a:t>
+            </a:r>
+            <a:r>
+              <a:rPr lang="hu-HU" dirty="0"/>
+              <a:t>)</a:t>
+            </a:r>
+          </a:p>
+        </p:txBody>
+      </p:sp>
+      <p:sp>
+        <p:nvSpPr>
+          <p:cNvPr id="3" name="Tartalom helye 2">
+            <a:extLst>
+              <a:ext uri="{FF2B5EF4-FFF2-40B4-BE49-F238E27FC236}">
+                <a16:creationId xmlns:a16="http://schemas.microsoft.com/office/drawing/2014/main" id="{5497355F-0054-49C7-955B-78897DE6F88C}"/>
+              </a:ext>
+            </a:extLst>
+          </p:cNvPr>
+          <p:cNvSpPr>
+            <a:spLocks noGrp="1"/>
+          </p:cNvSpPr>
+          <p:nvPr>
+            <p:ph idx="1"/>
+          </p:nvPr>
+        </p:nvSpPr>
+        <p:spPr/>
+        <p:txBody>
+          <a:bodyPr/>
+          <a:lstStyle/>
+          <a:p>
+            <a:pPr marL="0" indent="0">
+              <a:buNone/>
+            </a:pPr>
+            <a:r>
+              <a:rPr lang="hu-HU" dirty="0"/>
+              <a:t>Mire jó? </a:t>
+            </a:r>
+          </a:p>
+          <a:p>
+            <a:r>
+              <a:rPr lang="hu-HU" dirty="0"/>
+              <a:t>Egy adott weboldalról (lehet bármi) le lehet kérni adatokat, amikkel a fejlesztő szabadon változókkal tud dolgozni. </a:t>
+            </a:r>
+          </a:p>
+          <a:p>
+            <a:pPr marL="0" indent="0">
+              <a:buNone/>
+            </a:pPr>
+            <a:r>
+              <a:rPr lang="hu-HU" dirty="0"/>
+              <a:t>Fontosabb </a:t>
+            </a:r>
+            <a:r>
               <a:rPr lang="hu-HU" dirty="0" err="1"/>
               <a:t>api</a:t>
             </a:r>
+            <a:r>
+              <a:rPr lang="hu-HU" dirty="0"/>
+              <a:t>-k: Google </a:t>
+            </a:r>
+            <a:r>
+              <a:rPr lang="hu-HU" dirty="0" err="1"/>
+              <a:t>Maps</a:t>
+            </a:r>
+            <a:r>
+              <a:rPr lang="hu-HU" dirty="0"/>
+              <a:t>, </a:t>
+            </a:r>
+            <a:r>
+              <a:rPr lang="hu-HU" dirty="0" err="1"/>
+              <a:t>PayPal</a:t>
+            </a:r>
+            <a:r>
+              <a:rPr lang="hu-HU" dirty="0"/>
+              <a:t>, Airlabs (ezt használtuk mi is)</a:t>
+            </a:r>
+          </a:p>
+          <a:p>
+            <a:pPr marL="0" indent="0">
+              <a:buNone/>
+            </a:pPr>
             <a:endParaRPr lang="hu-HU" dirty="0"/>
           </a:p>
-        </p:txBody>
-      </p:sp>
-      <p:sp>
-        <p:nvSpPr>
-          <p:cNvPr id="3" name="Tartalom helye 2">
-            <a:extLst>
-              <a:ext uri="{FF2B5EF4-FFF2-40B4-BE49-F238E27FC236}">
-                <a16:creationId xmlns:a16="http://schemas.microsoft.com/office/drawing/2014/main" id="{5497355F-0054-49C7-955B-78897DE6F88C}"/>
-              </a:ext>
-            </a:extLst>
-          </p:cNvPr>
-          <p:cNvSpPr>
-            <a:spLocks noGrp="1"/>
-          </p:cNvSpPr>
-          <p:nvPr>
-            <p:ph idx="1"/>
-          </p:nvPr>
-        </p:nvSpPr>
-        <p:spPr/>
-        <p:txBody>
-          <a:bodyPr/>
-          <a:lstStyle/>
-          <a:p>
-            <a:endParaRPr lang="hu-HU"/>
-          </a:p>
-        </p:txBody>
-      </p:sp>
+          <a:p>
+            <a:pPr marL="0" indent="0">
+              <a:buNone/>
+            </a:pPr>
+            <a:endParaRPr lang="hu-HU" dirty="0"/>
+          </a:p>
+        </p:txBody>
+      </p:sp>
+      <p:pic>
+        <p:nvPicPr>
+          <p:cNvPr id="5" name="Kép 4">
+            <a:extLst>
+              <a:ext uri="{FF2B5EF4-FFF2-40B4-BE49-F238E27FC236}">
+                <a16:creationId xmlns:a16="http://schemas.microsoft.com/office/drawing/2014/main" id="{61089DD4-7A3A-43A8-B92A-A5FEB1874782}"/>
+              </a:ext>
+            </a:extLst>
+          </p:cNvPr>
+          <p:cNvPicPr>
+            <a:picLocks noChangeAspect="1"/>
+          </p:cNvPicPr>
+          <p:nvPr/>
+        </p:nvPicPr>
+        <p:blipFill>
+          <a:blip r:embed="rId2">
+            <a:extLst>
+              <a:ext uri="{28A0092B-C50C-407E-A947-70E740481C1C}">
+                <a14:useLocalDpi xmlns:a14="http://schemas.microsoft.com/office/drawing/2010/main" val="0"/>
+              </a:ext>
+            </a:extLst>
+          </a:blip>
+          <a:stretch>
+            <a:fillRect/>
+          </a:stretch>
+        </p:blipFill>
+        <p:spPr>
+          <a:xfrm>
+            <a:off x="8670664" y="3667837"/>
+            <a:ext cx="3306168" cy="3190163"/>
+          </a:xfrm>
+          <a:prstGeom prst="rect">
+            <a:avLst/>
+          </a:prstGeom>
+        </p:spPr>
+      </p:pic>
     </p:spTree>
     <p:extLst>
       <p:ext uri="{BB962C8B-B14F-4D97-AF65-F5344CB8AC3E}">
@@ -3733,47 +3997,58 @@
             <p:ph type="title"/>
           </p:nvPr>
         </p:nvSpPr>
-        <p:spPr/>
-        <p:txBody>
-          <a:bodyPr/>
-          <a:lstStyle/>
-          <a:p>
-            <a:r>
-              <a:rPr lang="hu-HU" dirty="0" err="1"/>
-              <a:t>Zusammen</a:t>
-            </a:r>
+        <p:spPr>
+          <a:xfrm>
+            <a:off x="4468585" y="148692"/>
+            <a:ext cx="3254828" cy="1325563"/>
+          </a:xfrm>
+        </p:spPr>
+        <p:txBody>
+          <a:bodyPr/>
+          <a:lstStyle/>
+          <a:p>
             <a:r>
               <a:rPr lang="hu-HU" dirty="0"/>
-              <a:t> oldal</a:t>
-            </a:r>
-          </a:p>
-        </p:txBody>
-      </p:sp>
-      <p:sp>
-        <p:nvSpPr>
-          <p:cNvPr id="3" name="Tartalom helye 2">
-            <a:extLst>
-              <a:ext uri="{FF2B5EF4-FFF2-40B4-BE49-F238E27FC236}">
-                <a16:creationId xmlns:a16="http://schemas.microsoft.com/office/drawing/2014/main" id="{7220614B-630B-45B4-BFA5-F214DBBDF32F}"/>
-              </a:ext>
-            </a:extLst>
-          </p:cNvPr>
-          <p:cNvSpPr>
-            <a:spLocks noGrp="1"/>
-          </p:cNvSpPr>
+              <a:t>A teljes oldal:</a:t>
+            </a:r>
+          </a:p>
+        </p:txBody>
+      </p:sp>
+      <p:pic>
+        <p:nvPicPr>
+          <p:cNvPr id="5" name="Tartalom helye 4">
+            <a:extLst>
+              <a:ext uri="{FF2B5EF4-FFF2-40B4-BE49-F238E27FC236}">
+                <a16:creationId xmlns:a16="http://schemas.microsoft.com/office/drawing/2014/main" id="{F070782C-DE65-4A96-AC03-B0248A00A2D3}"/>
+              </a:ext>
+            </a:extLst>
+          </p:cNvPr>
+          <p:cNvPicPr>
+            <a:picLocks noGrp="1" noChangeAspect="1"/>
+          </p:cNvPicPr>
           <p:nvPr>
             <p:ph idx="1"/>
           </p:nvPr>
-        </p:nvSpPr>
-        <p:spPr/>
-        <p:txBody>
-          <a:bodyPr/>
-          <a:lstStyle/>
-          <a:p>
-            <a:endParaRPr lang="hu-HU"/>
-          </a:p>
-        </p:txBody>
-      </p:sp>
+        </p:nvPicPr>
+        <p:blipFill>
+          <a:blip r:embed="rId2">
+            <a:extLst>
+              <a:ext uri="{28A0092B-C50C-407E-A947-70E740481C1C}">
+                <a14:useLocalDpi xmlns:a14="http://schemas.microsoft.com/office/drawing/2010/main" val="0"/>
+              </a:ext>
+            </a:extLst>
+          </a:blip>
+          <a:stretch>
+            <a:fillRect/>
+          </a:stretch>
+        </p:blipFill>
+        <p:spPr>
+          <a:xfrm>
+            <a:off x="2377027" y="1822598"/>
+            <a:ext cx="7437945" cy="4351337"/>
+          </a:xfrm>
+        </p:spPr>
+      </p:pic>
     </p:spTree>
     <p:extLst>
       <p:ext uri="{BB962C8B-B14F-4D97-AF65-F5344CB8AC3E}">

--- a/docs/FlyWithMe.pptx
+++ b/docs/FlyWithMe.pptx
@@ -2750,9 +2750,39 @@
 <p:sldMaster xmlns:a="http://schemas.openxmlformats.org/drawingml/2006/main" xmlns:r="http://schemas.openxmlformats.org/officeDocument/2006/relationships" xmlns:p="http://schemas.openxmlformats.org/presentationml/2006/main">
   <p:cSld>
     <p:bg>
-      <p:bgRef idx="1001">
-        <a:schemeClr val="bg1"/>
-      </p:bgRef>
+      <p:bgPr>
+        <a:gradFill flip="none" rotWithShape="1">
+          <a:gsLst>
+            <a:gs pos="0">
+              <a:schemeClr val="accent1">
+                <a:lumMod val="5000"/>
+                <a:lumOff val="95000"/>
+              </a:schemeClr>
+            </a:gs>
+            <a:gs pos="74000">
+              <a:schemeClr val="accent1">
+                <a:lumMod val="45000"/>
+                <a:lumOff val="55000"/>
+              </a:schemeClr>
+            </a:gs>
+            <a:gs pos="83000">
+              <a:schemeClr val="accent1">
+                <a:lumMod val="45000"/>
+                <a:lumOff val="55000"/>
+              </a:schemeClr>
+            </a:gs>
+            <a:gs pos="100000">
+              <a:schemeClr val="accent1">
+                <a:lumMod val="30000"/>
+                <a:lumOff val="70000"/>
+              </a:schemeClr>
+            </a:gs>
+          </a:gsLst>
+          <a:lin ang="5400000" scaled="1"/>
+          <a:tileRect/>
+        </a:gradFill>
+        <a:effectLst/>
+      </p:bgPr>
     </p:bg>
     <p:spTree>
       <p:nvGrpSpPr>
@@ -3406,10 +3436,10 @@
       </p:sp>
       <p:pic>
         <p:nvPicPr>
-          <p:cNvPr id="5" name="Kép 4">
-            <a:extLst>
-              <a:ext uri="{FF2B5EF4-FFF2-40B4-BE49-F238E27FC236}">
-                <a16:creationId xmlns:a16="http://schemas.microsoft.com/office/drawing/2014/main" id="{53CAC732-F944-432C-BED8-4CA61B0CBC93}"/>
+          <p:cNvPr id="6" name="Picture 5" descr="A blue airplane in a circle&#10;&#10;Description automatically generated">
+            <a:extLst>
+              <a:ext uri="{FF2B5EF4-FFF2-40B4-BE49-F238E27FC236}">
+                <a16:creationId xmlns:a16="http://schemas.microsoft.com/office/drawing/2014/main" id="{021068C5-D350-6826-014B-D8866471B058}"/>
               </a:ext>
             </a:extLst>
           </p:cNvPr>
@@ -3432,8 +3462,8 @@
         </p:blipFill>
         <p:spPr>
           <a:xfrm>
-            <a:off x="5091641" y="1196979"/>
-            <a:ext cx="2008718" cy="1605534"/>
+            <a:off x="4768850" y="888093"/>
+            <a:ext cx="2654300" cy="2120900"/>
           </a:xfrm>
           <a:prstGeom prst="rect">
             <a:avLst/>
@@ -3492,12 +3522,8 @@
           <a:lstStyle/>
           <a:p>
             <a:r>
-              <a:rPr lang="hu-HU" dirty="0" err="1"/>
-              <a:t>React</a:t>
-            </a:r>
-            <a:r>
               <a:rPr lang="hu-HU" dirty="0"/>
-              <a:t>(LŐRIKÚR)</a:t>
+              <a:t>Oldal</a:t>
             </a:r>
           </a:p>
         </p:txBody>
@@ -3518,7 +3544,11 @@
             <p:ph idx="1"/>
           </p:nvPr>
         </p:nvSpPr>
-        <p:spPr/>
+        <p:spPr>
+          <a:solidFill>
+            <a:schemeClr val="bg1"/>
+          </a:solidFill>
+        </p:spPr>
         <p:txBody>
           <a:bodyPr/>
           <a:lstStyle/>
@@ -3527,6 +3557,147 @@
           </a:p>
         </p:txBody>
       </p:sp>
+      <p:pic>
+        <p:nvPicPr>
+          <p:cNvPr id="1026" name="Picture 2" descr="React (software) - Wikipedia">
+            <a:extLst>
+              <a:ext uri="{FF2B5EF4-FFF2-40B4-BE49-F238E27FC236}">
+                <a16:creationId xmlns:a16="http://schemas.microsoft.com/office/drawing/2014/main" id="{8219D1B1-A3E7-058C-25D8-EF88AC5377CB}"/>
+              </a:ext>
+            </a:extLst>
+          </p:cNvPr>
+          <p:cNvPicPr>
+            <a:picLocks noChangeAspect="1" noChangeArrowheads="1"/>
+          </p:cNvPicPr>
+          <p:nvPr/>
+        </p:nvPicPr>
+        <p:blipFill>
+          <a:blip r:embed="rId2">
+            <a:extLst>
+              <a:ext uri="{28A0092B-C50C-407E-A947-70E740481C1C}">
+                <a14:useLocalDpi xmlns:a14="http://schemas.microsoft.com/office/drawing/2010/main" val="0"/>
+              </a:ext>
+            </a:extLst>
+          </a:blip>
+          <a:srcRect/>
+          <a:stretch>
+            <a:fillRect/>
+          </a:stretch>
+        </p:blipFill>
+        <p:spPr bwMode="auto">
+          <a:xfrm>
+            <a:off x="4744374" y="2799890"/>
+            <a:ext cx="3039268" cy="2641778"/>
+          </a:xfrm>
+          <a:prstGeom prst="rect">
+            <a:avLst/>
+          </a:prstGeom>
+          <a:noFill/>
+          <a:extLst>
+            <a:ext uri="{909E8E84-426E-40DD-AFC4-6F175D3DCCD1}">
+              <a14:hiddenFill xmlns:a14="http://schemas.microsoft.com/office/drawing/2010/main">
+                <a:solidFill>
+                  <a:srgbClr val="FFFFFF"/>
+                </a:solidFill>
+              </a14:hiddenFill>
+            </a:ext>
+          </a:extLst>
+        </p:spPr>
+      </p:pic>
+      <p:pic>
+        <p:nvPicPr>
+          <p:cNvPr id="1028" name="Picture 4" descr="Node.js - Wikipedia">
+            <a:extLst>
+              <a:ext uri="{FF2B5EF4-FFF2-40B4-BE49-F238E27FC236}">
+                <a16:creationId xmlns:a16="http://schemas.microsoft.com/office/drawing/2014/main" id="{01D82792-279F-75D9-8041-507C60910548}"/>
+              </a:ext>
+            </a:extLst>
+          </p:cNvPr>
+          <p:cNvPicPr>
+            <a:picLocks noChangeAspect="1" noChangeArrowheads="1"/>
+          </p:cNvPicPr>
+          <p:nvPr/>
+        </p:nvPicPr>
+        <p:blipFill>
+          <a:blip r:embed="rId3">
+            <a:extLst>
+              <a:ext uri="{28A0092B-C50C-407E-A947-70E740481C1C}">
+                <a14:useLocalDpi xmlns:a14="http://schemas.microsoft.com/office/drawing/2010/main" val="0"/>
+              </a:ext>
+            </a:extLst>
+          </a:blip>
+          <a:srcRect/>
+          <a:stretch>
+            <a:fillRect/>
+          </a:stretch>
+        </p:blipFill>
+        <p:spPr bwMode="auto">
+          <a:xfrm>
+            <a:off x="1281454" y="3235917"/>
+            <a:ext cx="3019666" cy="1846943"/>
+          </a:xfrm>
+          <a:prstGeom prst="rect">
+            <a:avLst/>
+          </a:prstGeom>
+          <a:noFill/>
+          <a:extLst>
+            <a:ext uri="{909E8E84-426E-40DD-AFC4-6F175D3DCCD1}">
+              <a14:hiddenFill xmlns:a14="http://schemas.microsoft.com/office/drawing/2010/main">
+                <a:solidFill>
+                  <a:srgbClr val="FFFFFF"/>
+                </a:solidFill>
+              </a14:hiddenFill>
+            </a:ext>
+          </a:extLst>
+        </p:spPr>
+      </p:pic>
+      <p:pic>
+        <p:nvPicPr>
+          <p:cNvPr id="1030" name="Picture 6" descr="TypeScript — Vikipediya">
+            <a:extLst>
+              <a:ext uri="{FF2B5EF4-FFF2-40B4-BE49-F238E27FC236}">
+                <a16:creationId xmlns:a16="http://schemas.microsoft.com/office/drawing/2014/main" id="{88A56F38-B8BB-A896-79E4-9B506A6207F8}"/>
+              </a:ext>
+            </a:extLst>
+          </p:cNvPr>
+          <p:cNvPicPr>
+            <a:picLocks noChangeAspect="1" noChangeArrowheads="1"/>
+          </p:cNvPicPr>
+          <p:nvPr/>
+        </p:nvPicPr>
+        <p:blipFill>
+          <a:blip r:embed="rId4">
+            <a:extLst>
+              <a:ext uri="{28A0092B-C50C-407E-A947-70E740481C1C}">
+                <a14:useLocalDpi xmlns:a14="http://schemas.microsoft.com/office/drawing/2010/main" val="0"/>
+              </a:ext>
+            </a:extLst>
+          </a:blip>
+          <a:srcRect/>
+          <a:stretch>
+            <a:fillRect/>
+          </a:stretch>
+        </p:blipFill>
+        <p:spPr bwMode="auto">
+          <a:xfrm>
+            <a:off x="8421024" y="2958169"/>
+            <a:ext cx="2325220" cy="2325220"/>
+          </a:xfrm>
+          <a:prstGeom prst="rect">
+            <a:avLst/>
+          </a:prstGeom>
+          <a:noFill/>
+          <a:extLst>
+            <a:ext uri="{909E8E84-426E-40DD-AFC4-6F175D3DCCD1}">
+              <a14:hiddenFill xmlns:a14="http://schemas.microsoft.com/office/drawing/2010/main">
+                <a:solidFill>
+                  <a:srgbClr val="FFFFFF"/>
+                </a:solidFill>
+              </a14:hiddenFill>
+            </a:ext>
+          </a:extLst>
+        </p:spPr>
+      </p:pic>
     </p:spTree>
     <p:extLst>
       <p:ext uri="{BB962C8B-B14F-4D97-AF65-F5344CB8AC3E}">
@@ -4172,10 +4343,10 @@
       </p:sp>
       <p:pic>
         <p:nvPicPr>
-          <p:cNvPr id="5" name="Kép 4">
-            <a:extLst>
-              <a:ext uri="{FF2B5EF4-FFF2-40B4-BE49-F238E27FC236}">
-                <a16:creationId xmlns:a16="http://schemas.microsoft.com/office/drawing/2014/main" id="{BA43F605-CEB6-4B41-834C-7DB5AE75984D}"/>
+          <p:cNvPr id="4" name="Picture 3" descr="A blue airplane in a circle&#10;&#10;Description automatically generated">
+            <a:extLst>
+              <a:ext uri="{FF2B5EF4-FFF2-40B4-BE49-F238E27FC236}">
+                <a16:creationId xmlns:a16="http://schemas.microsoft.com/office/drawing/2014/main" id="{7BF9A6ED-1569-F504-A42C-98046815E6F8}"/>
               </a:ext>
             </a:extLst>
           </p:cNvPr>
@@ -4198,8 +4369,8 @@
         </p:blipFill>
         <p:spPr>
           <a:xfrm>
-            <a:off x="3843151" y="3010552"/>
-            <a:ext cx="4505697" cy="3601328"/>
+            <a:off x="4768850" y="3582294"/>
+            <a:ext cx="2654300" cy="2120900"/>
           </a:xfrm>
           <a:prstGeom prst="rect">
             <a:avLst/>

--- a/docs/FlyWithMe.pptx
+++ b/docs/FlyWithMe.pptx
@@ -264,7 +264,7 @@
           <a:p>
             <a:fld id="{938E2BAF-EA06-477A-A333-9CB95B0D2828}" type="datetimeFigureOut">
               <a:rPr lang="hu-HU" smtClean="0"/>
-              <a:t>2023. 10. 05.</a:t>
+              <a:t>2023. 10. 09.</a:t>
             </a:fld>
             <a:endParaRPr lang="hu-HU"/>
           </a:p>
@@ -334,6 +334,18 @@
   <p:clrMapOvr>
     <a:masterClrMapping/>
   </p:clrMapOvr>
+  <mc:AlternateContent xmlns:mc="http://schemas.openxmlformats.org/markup-compatibility/2006">
+    <mc:Choice xmlns:p15="http://schemas.microsoft.com/office/powerpoint/2012/main" Requires="p15">
+      <p:transition xmlns:p14="http://schemas.microsoft.com/office/powerpoint/2010/main" spd="slow" p14:dur="1250">
+        <p15:prstTrans prst="airplane"/>
+      </p:transition>
+    </mc:Choice>
+    <mc:Fallback>
+      <p:transition spd="slow">
+        <p:fade/>
+      </p:transition>
+    </mc:Fallback>
+  </mc:AlternateContent>
 </p:sldLayout>
 </file>
 
@@ -462,7 +474,7 @@
           <a:p>
             <a:fld id="{938E2BAF-EA06-477A-A333-9CB95B0D2828}" type="datetimeFigureOut">
               <a:rPr lang="hu-HU" smtClean="0"/>
-              <a:t>2023. 10. 05.</a:t>
+              <a:t>2023. 10. 09.</a:t>
             </a:fld>
             <a:endParaRPr lang="hu-HU"/>
           </a:p>
@@ -532,6 +544,18 @@
   <p:clrMapOvr>
     <a:masterClrMapping/>
   </p:clrMapOvr>
+  <mc:AlternateContent xmlns:mc="http://schemas.openxmlformats.org/markup-compatibility/2006">
+    <mc:Choice xmlns:p15="http://schemas.microsoft.com/office/powerpoint/2012/main" Requires="p15">
+      <p:transition xmlns:p14="http://schemas.microsoft.com/office/powerpoint/2010/main" spd="slow" p14:dur="1250">
+        <p15:prstTrans prst="airplane"/>
+      </p:transition>
+    </mc:Choice>
+    <mc:Fallback>
+      <p:transition spd="slow">
+        <p:fade/>
+      </p:transition>
+    </mc:Fallback>
+  </mc:AlternateContent>
 </p:sldLayout>
 </file>
 
@@ -670,7 +694,7 @@
           <a:p>
             <a:fld id="{938E2BAF-EA06-477A-A333-9CB95B0D2828}" type="datetimeFigureOut">
               <a:rPr lang="hu-HU" smtClean="0"/>
-              <a:t>2023. 10. 05.</a:t>
+              <a:t>2023. 10. 09.</a:t>
             </a:fld>
             <a:endParaRPr lang="hu-HU"/>
           </a:p>
@@ -740,6 +764,18 @@
   <p:clrMapOvr>
     <a:masterClrMapping/>
   </p:clrMapOvr>
+  <mc:AlternateContent xmlns:mc="http://schemas.openxmlformats.org/markup-compatibility/2006">
+    <mc:Choice xmlns:p15="http://schemas.microsoft.com/office/powerpoint/2012/main" Requires="p15">
+      <p:transition xmlns:p14="http://schemas.microsoft.com/office/powerpoint/2010/main" spd="slow" p14:dur="1250">
+        <p15:prstTrans prst="airplane"/>
+      </p:transition>
+    </mc:Choice>
+    <mc:Fallback>
+      <p:transition spd="slow">
+        <p:fade/>
+      </p:transition>
+    </mc:Fallback>
+  </mc:AlternateContent>
 </p:sldLayout>
 </file>
 
@@ -868,7 +904,7 @@
           <a:p>
             <a:fld id="{938E2BAF-EA06-477A-A333-9CB95B0D2828}" type="datetimeFigureOut">
               <a:rPr lang="hu-HU" smtClean="0"/>
-              <a:t>2023. 10. 05.</a:t>
+              <a:t>2023. 10. 09.</a:t>
             </a:fld>
             <a:endParaRPr lang="hu-HU"/>
           </a:p>
@@ -938,6 +974,18 @@
   <p:clrMapOvr>
     <a:masterClrMapping/>
   </p:clrMapOvr>
+  <mc:AlternateContent xmlns:mc="http://schemas.openxmlformats.org/markup-compatibility/2006">
+    <mc:Choice xmlns:p15="http://schemas.microsoft.com/office/powerpoint/2012/main" Requires="p15">
+      <p:transition xmlns:p14="http://schemas.microsoft.com/office/powerpoint/2010/main" spd="slow" p14:dur="1250">
+        <p15:prstTrans prst="airplane"/>
+      </p:transition>
+    </mc:Choice>
+    <mc:Fallback>
+      <p:transition spd="slow">
+        <p:fade/>
+      </p:transition>
+    </mc:Fallback>
+  </mc:AlternateContent>
 </p:sldLayout>
 </file>
 
@@ -1143,7 +1191,7 @@
           <a:p>
             <a:fld id="{938E2BAF-EA06-477A-A333-9CB95B0D2828}" type="datetimeFigureOut">
               <a:rPr lang="hu-HU" smtClean="0"/>
-              <a:t>2023. 10. 05.</a:t>
+              <a:t>2023. 10. 09.</a:t>
             </a:fld>
             <a:endParaRPr lang="hu-HU"/>
           </a:p>
@@ -1213,6 +1261,18 @@
   <p:clrMapOvr>
     <a:masterClrMapping/>
   </p:clrMapOvr>
+  <mc:AlternateContent xmlns:mc="http://schemas.openxmlformats.org/markup-compatibility/2006">
+    <mc:Choice xmlns:p15="http://schemas.microsoft.com/office/powerpoint/2012/main" Requires="p15">
+      <p:transition xmlns:p14="http://schemas.microsoft.com/office/powerpoint/2010/main" spd="slow" p14:dur="1250">
+        <p15:prstTrans prst="airplane"/>
+      </p:transition>
+    </mc:Choice>
+    <mc:Fallback>
+      <p:transition spd="slow">
+        <p:fade/>
+      </p:transition>
+    </mc:Fallback>
+  </mc:AlternateContent>
 </p:sldLayout>
 </file>
 
@@ -1408,7 +1468,7 @@
           <a:p>
             <a:fld id="{938E2BAF-EA06-477A-A333-9CB95B0D2828}" type="datetimeFigureOut">
               <a:rPr lang="hu-HU" smtClean="0"/>
-              <a:t>2023. 10. 05.</a:t>
+              <a:t>2023. 10. 09.</a:t>
             </a:fld>
             <a:endParaRPr lang="hu-HU"/>
           </a:p>
@@ -1478,6 +1538,18 @@
   <p:clrMapOvr>
     <a:masterClrMapping/>
   </p:clrMapOvr>
+  <mc:AlternateContent xmlns:mc="http://schemas.openxmlformats.org/markup-compatibility/2006">
+    <mc:Choice xmlns:p15="http://schemas.microsoft.com/office/powerpoint/2012/main" Requires="p15">
+      <p:transition xmlns:p14="http://schemas.microsoft.com/office/powerpoint/2010/main" spd="slow" p14:dur="1250">
+        <p15:prstTrans prst="airplane"/>
+      </p:transition>
+    </mc:Choice>
+    <mc:Fallback>
+      <p:transition spd="slow">
+        <p:fade/>
+      </p:transition>
+    </mc:Fallback>
+  </mc:AlternateContent>
 </p:sldLayout>
 </file>
 
@@ -1820,7 +1892,7 @@
           <a:p>
             <a:fld id="{938E2BAF-EA06-477A-A333-9CB95B0D2828}" type="datetimeFigureOut">
               <a:rPr lang="hu-HU" smtClean="0"/>
-              <a:t>2023. 10. 05.</a:t>
+              <a:t>2023. 10. 09.</a:t>
             </a:fld>
             <a:endParaRPr lang="hu-HU"/>
           </a:p>
@@ -1890,6 +1962,18 @@
   <p:clrMapOvr>
     <a:masterClrMapping/>
   </p:clrMapOvr>
+  <mc:AlternateContent xmlns:mc="http://schemas.openxmlformats.org/markup-compatibility/2006">
+    <mc:Choice xmlns:p15="http://schemas.microsoft.com/office/powerpoint/2012/main" Requires="p15">
+      <p:transition xmlns:p14="http://schemas.microsoft.com/office/powerpoint/2010/main" spd="slow" p14:dur="1250">
+        <p15:prstTrans prst="airplane"/>
+      </p:transition>
+    </mc:Choice>
+    <mc:Fallback>
+      <p:transition spd="slow">
+        <p:fade/>
+      </p:transition>
+    </mc:Fallback>
+  </mc:AlternateContent>
 </p:sldLayout>
 </file>
 
@@ -1961,7 +2045,7 @@
           <a:p>
             <a:fld id="{938E2BAF-EA06-477A-A333-9CB95B0D2828}" type="datetimeFigureOut">
               <a:rPr lang="hu-HU" smtClean="0"/>
-              <a:t>2023. 10. 05.</a:t>
+              <a:t>2023. 10. 09.</a:t>
             </a:fld>
             <a:endParaRPr lang="hu-HU"/>
           </a:p>
@@ -2031,6 +2115,18 @@
   <p:clrMapOvr>
     <a:masterClrMapping/>
   </p:clrMapOvr>
+  <mc:AlternateContent xmlns:mc="http://schemas.openxmlformats.org/markup-compatibility/2006">
+    <mc:Choice xmlns:p15="http://schemas.microsoft.com/office/powerpoint/2012/main" Requires="p15">
+      <p:transition xmlns:p14="http://schemas.microsoft.com/office/powerpoint/2010/main" spd="slow" p14:dur="1250">
+        <p15:prstTrans prst="airplane"/>
+      </p:transition>
+    </mc:Choice>
+    <mc:Fallback>
+      <p:transition spd="slow">
+        <p:fade/>
+      </p:transition>
+    </mc:Fallback>
+  </mc:AlternateContent>
 </p:sldLayout>
 </file>
 
@@ -2074,7 +2170,7 @@
           <a:p>
             <a:fld id="{938E2BAF-EA06-477A-A333-9CB95B0D2828}" type="datetimeFigureOut">
               <a:rPr lang="hu-HU" smtClean="0"/>
-              <a:t>2023. 10. 05.</a:t>
+              <a:t>2023. 10. 09.</a:t>
             </a:fld>
             <a:endParaRPr lang="hu-HU"/>
           </a:p>
@@ -2144,6 +2240,18 @@
   <p:clrMapOvr>
     <a:masterClrMapping/>
   </p:clrMapOvr>
+  <mc:AlternateContent xmlns:mc="http://schemas.openxmlformats.org/markup-compatibility/2006">
+    <mc:Choice xmlns:p15="http://schemas.microsoft.com/office/powerpoint/2012/main" Requires="p15">
+      <p:transition xmlns:p14="http://schemas.microsoft.com/office/powerpoint/2010/main" spd="slow" p14:dur="1250">
+        <p15:prstTrans prst="airplane"/>
+      </p:transition>
+    </mc:Choice>
+    <mc:Fallback>
+      <p:transition spd="slow">
+        <p:fade/>
+      </p:transition>
+    </mc:Fallback>
+  </mc:AlternateContent>
 </p:sldLayout>
 </file>
 
@@ -2385,7 +2493,7 @@
           <a:p>
             <a:fld id="{938E2BAF-EA06-477A-A333-9CB95B0D2828}" type="datetimeFigureOut">
               <a:rPr lang="hu-HU" smtClean="0"/>
-              <a:t>2023. 10. 05.</a:t>
+              <a:t>2023. 10. 09.</a:t>
             </a:fld>
             <a:endParaRPr lang="hu-HU"/>
           </a:p>
@@ -2455,6 +2563,18 @@
   <p:clrMapOvr>
     <a:masterClrMapping/>
   </p:clrMapOvr>
+  <mc:AlternateContent xmlns:mc="http://schemas.openxmlformats.org/markup-compatibility/2006">
+    <mc:Choice xmlns:p15="http://schemas.microsoft.com/office/powerpoint/2012/main" Requires="p15">
+      <p:transition xmlns:p14="http://schemas.microsoft.com/office/powerpoint/2010/main" spd="slow" p14:dur="1250">
+        <p15:prstTrans prst="airplane"/>
+      </p:transition>
+    </mc:Choice>
+    <mc:Fallback>
+      <p:transition spd="slow">
+        <p:fade/>
+      </p:transition>
+    </mc:Fallback>
+  </mc:AlternateContent>
 </p:sldLayout>
 </file>
 
@@ -2673,7 +2793,7 @@
           <a:p>
             <a:fld id="{938E2BAF-EA06-477A-A333-9CB95B0D2828}" type="datetimeFigureOut">
               <a:rPr lang="hu-HU" smtClean="0"/>
-              <a:t>2023. 10. 05.</a:t>
+              <a:t>2023. 10. 09.</a:t>
             </a:fld>
             <a:endParaRPr lang="hu-HU"/>
           </a:p>
@@ -2743,6 +2863,18 @@
   <p:clrMapOvr>
     <a:masterClrMapping/>
   </p:clrMapOvr>
+  <mc:AlternateContent xmlns:mc="http://schemas.openxmlformats.org/markup-compatibility/2006">
+    <mc:Choice xmlns:p15="http://schemas.microsoft.com/office/powerpoint/2012/main" Requires="p15">
+      <p:transition xmlns:p14="http://schemas.microsoft.com/office/powerpoint/2010/main" spd="slow" p14:dur="1250">
+        <p15:prstTrans prst="airplane"/>
+      </p:transition>
+    </mc:Choice>
+    <mc:Fallback>
+      <p:transition spd="slow">
+        <p:fade/>
+      </p:transition>
+    </mc:Fallback>
+  </mc:AlternateContent>
 </p:sldLayout>
 </file>
 
@@ -2944,7 +3076,7 @@
           <a:p>
             <a:fld id="{938E2BAF-EA06-477A-A333-9CB95B0D2828}" type="datetimeFigureOut">
               <a:rPr lang="hu-HU" smtClean="0"/>
-              <a:t>2023. 10. 05.</a:t>
+              <a:t>2023. 10. 09.</a:t>
             </a:fld>
             <a:endParaRPr lang="hu-HU"/>
           </a:p>
@@ -3061,6 +3193,18 @@
     <p:sldLayoutId id="2147483658" r:id="rId10"/>
     <p:sldLayoutId id="2147483659" r:id="rId11"/>
   </p:sldLayoutIdLst>
+  <mc:AlternateContent xmlns:mc="http://schemas.openxmlformats.org/markup-compatibility/2006">
+    <mc:Choice xmlns:p15="http://schemas.microsoft.com/office/powerpoint/2012/main" Requires="p15">
+      <p:transition xmlns:p14="http://schemas.microsoft.com/office/powerpoint/2010/main" spd="slow" p14:dur="1250">
+        <p15:prstTrans prst="airplane"/>
+      </p:transition>
+    </mc:Choice>
+    <mc:Fallback>
+      <p:transition spd="slow">
+        <p:fade/>
+      </p:transition>
+    </mc:Fallback>
+  </mc:AlternateContent>
   <p:txStyles>
     <p:titleStyle>
       <a:lvl1pPr algn="l" defTabSz="914400" rtl="0" eaLnBrk="1" latinLnBrk="0" hangingPunct="1">
@@ -3480,6 +3624,18 @@
   <p:clrMapOvr>
     <a:masterClrMapping/>
   </p:clrMapOvr>
+  <mc:AlternateContent xmlns:mc="http://schemas.openxmlformats.org/markup-compatibility/2006">
+    <mc:Choice xmlns:p15="http://schemas.microsoft.com/office/powerpoint/2012/main" Requires="p15">
+      <p:transition xmlns:p14="http://schemas.microsoft.com/office/powerpoint/2010/main" spd="slow" p14:dur="1250">
+        <p15:prstTrans prst="airplane"/>
+      </p:transition>
+    </mc:Choice>
+    <mc:Fallback>
+      <p:transition spd="slow">
+        <p:fade/>
+      </p:transition>
+    </mc:Fallback>
+  </mc:AlternateContent>
 </p:sld>
 </file>
 
@@ -3530,30 +3686,55 @@
       </p:sp>
       <p:sp>
         <p:nvSpPr>
-          <p:cNvPr id="3" name="Tartalom helye 2">
-            <a:extLst>
-              <a:ext uri="{FF2B5EF4-FFF2-40B4-BE49-F238E27FC236}">
-                <a16:creationId xmlns:a16="http://schemas.microsoft.com/office/drawing/2014/main" id="{AC4549B9-F3E3-4394-BF2C-EC8CBD7158F5}"/>
-              </a:ext>
-            </a:extLst>
-          </p:cNvPr>
-          <p:cNvSpPr>
-            <a:spLocks noGrp="1"/>
-          </p:cNvSpPr>
-          <p:nvPr>
-            <p:ph idx="1"/>
-          </p:nvPr>
+          <p:cNvPr id="4" name="Rounded Rectangle 3">
+            <a:extLst>
+              <a:ext uri="{FF2B5EF4-FFF2-40B4-BE49-F238E27FC236}">
+                <a16:creationId xmlns:a16="http://schemas.microsoft.com/office/drawing/2014/main" id="{153F1183-9EAC-6C31-CB9A-1CC40D2FF175}"/>
+              </a:ext>
+            </a:extLst>
+          </p:cNvPr>
+          <p:cNvSpPr/>
+          <p:nvPr/>
         </p:nvSpPr>
         <p:spPr>
+          <a:xfrm>
+            <a:off x="452252" y="1574611"/>
+            <a:ext cx="10901548" cy="4778688"/>
+          </a:xfrm>
+          <a:prstGeom prst="roundRect">
+            <a:avLst/>
+          </a:prstGeom>
           <a:solidFill>
             <a:schemeClr val="bg1"/>
           </a:solidFill>
+          <a:ln>
+            <a:solidFill>
+              <a:schemeClr val="bg1"/>
+            </a:solidFill>
+          </a:ln>
         </p:spPr>
-        <p:txBody>
-          <a:bodyPr/>
-          <a:lstStyle/>
-          <a:p>
-            <a:endParaRPr lang="hu-HU" dirty="0"/>
+        <p:style>
+          <a:lnRef idx="2">
+            <a:schemeClr val="accent1">
+              <a:shade val="15000"/>
+            </a:schemeClr>
+          </a:lnRef>
+          <a:fillRef idx="1">
+            <a:schemeClr val="accent1"/>
+          </a:fillRef>
+          <a:effectRef idx="0">
+            <a:schemeClr val="accent1"/>
+          </a:effectRef>
+          <a:fontRef idx="minor">
+            <a:schemeClr val="lt1"/>
+          </a:fontRef>
+        </p:style>
+        <p:txBody>
+          <a:bodyPr rtlCol="0" anchor="ctr"/>
+          <a:lstStyle/>
+          <a:p>
+            <a:pPr algn="ctr"/>
+            <a:endParaRPr lang="en-HU"/>
           </a:p>
         </p:txBody>
       </p:sp>
@@ -3708,6 +3889,207 @@
   <p:clrMapOvr>
     <a:masterClrMapping/>
   </p:clrMapOvr>
+  <mc:AlternateContent xmlns:mc="http://schemas.openxmlformats.org/markup-compatibility/2006">
+    <mc:Choice xmlns:p15="http://schemas.microsoft.com/office/powerpoint/2012/main" Requires="p15">
+      <p:transition xmlns:p14="http://schemas.microsoft.com/office/powerpoint/2010/main" spd="slow" p14:dur="1250">
+        <p15:prstTrans prst="airplane"/>
+      </p:transition>
+    </mc:Choice>
+    <mc:Fallback>
+      <p:transition spd="slow">
+        <p:fade/>
+      </p:transition>
+    </mc:Fallback>
+  </mc:AlternateContent>
+  <p:timing>
+    <p:tnLst>
+      <p:par>
+        <p:cTn id="1" dur="indefinite" restart="never" nodeType="tmRoot">
+          <p:childTnLst>
+            <p:seq concurrent="1" nextAc="seek">
+              <p:cTn id="2" dur="indefinite" nodeType="mainSeq">
+                <p:childTnLst>
+                  <p:par>
+                    <p:cTn id="3" fill="hold">
+                      <p:stCondLst>
+                        <p:cond delay="indefinite"/>
+                      </p:stCondLst>
+                      <p:childTnLst>
+                        <p:par>
+                          <p:cTn id="4" fill="hold">
+                            <p:stCondLst>
+                              <p:cond delay="0"/>
+                            </p:stCondLst>
+                            <p:childTnLst>
+                              <p:par>
+                                <p:cTn id="5" presetID="9" presetClass="entr" presetSubtype="0" fill="hold" nodeType="clickEffect">
+                                  <p:stCondLst>
+                                    <p:cond delay="0"/>
+                                  </p:stCondLst>
+                                  <p:childTnLst>
+                                    <p:set>
+                                      <p:cBhvr>
+                                        <p:cTn id="6" dur="1" fill="hold">
+                                          <p:stCondLst>
+                                            <p:cond delay="0"/>
+                                          </p:stCondLst>
+                                        </p:cTn>
+                                        <p:tgtEl>
+                                          <p:spTgt spid="1028"/>
+                                        </p:tgtEl>
+                                        <p:attrNameLst>
+                                          <p:attrName>style.visibility</p:attrName>
+                                        </p:attrNameLst>
+                                      </p:cBhvr>
+                                      <p:to>
+                                        <p:strVal val="visible"/>
+                                      </p:to>
+                                    </p:set>
+                                    <p:animEffect transition="in" filter="dissolve">
+                                      <p:cBhvr>
+                                        <p:cTn id="7" dur="500"/>
+                                        <p:tgtEl>
+                                          <p:spTgt spid="1028"/>
+                                        </p:tgtEl>
+                                      </p:cBhvr>
+                                    </p:animEffect>
+                                  </p:childTnLst>
+                                </p:cTn>
+                              </p:par>
+                            </p:childTnLst>
+                          </p:cTn>
+                        </p:par>
+                      </p:childTnLst>
+                    </p:cTn>
+                  </p:par>
+                  <p:par>
+                    <p:cTn id="8" fill="hold">
+                      <p:stCondLst>
+                        <p:cond delay="indefinite"/>
+                      </p:stCondLst>
+                      <p:childTnLst>
+                        <p:par>
+                          <p:cTn id="9" fill="hold">
+                            <p:stCondLst>
+                              <p:cond delay="0"/>
+                            </p:stCondLst>
+                            <p:childTnLst>
+                              <p:par>
+                                <p:cTn id="10" presetID="9" presetClass="entr" presetSubtype="0" fill="hold" nodeType="clickEffect">
+                                  <p:stCondLst>
+                                    <p:cond delay="0"/>
+                                  </p:stCondLst>
+                                  <p:childTnLst>
+                                    <p:set>
+                                      <p:cBhvr>
+                                        <p:cTn id="11" dur="1" fill="hold">
+                                          <p:stCondLst>
+                                            <p:cond delay="0"/>
+                                          </p:stCondLst>
+                                        </p:cTn>
+                                        <p:tgtEl>
+                                          <p:spTgt spid="1026"/>
+                                        </p:tgtEl>
+                                        <p:attrNameLst>
+                                          <p:attrName>style.visibility</p:attrName>
+                                        </p:attrNameLst>
+                                      </p:cBhvr>
+                                      <p:to>
+                                        <p:strVal val="visible"/>
+                                      </p:to>
+                                    </p:set>
+                                    <p:animEffect transition="in" filter="dissolve">
+                                      <p:cBhvr>
+                                        <p:cTn id="12" dur="500"/>
+                                        <p:tgtEl>
+                                          <p:spTgt spid="1026"/>
+                                        </p:tgtEl>
+                                      </p:cBhvr>
+                                    </p:animEffect>
+                                  </p:childTnLst>
+                                </p:cTn>
+                              </p:par>
+                            </p:childTnLst>
+                          </p:cTn>
+                        </p:par>
+                      </p:childTnLst>
+                    </p:cTn>
+                  </p:par>
+                  <p:par>
+                    <p:cTn id="13" fill="hold">
+                      <p:stCondLst>
+                        <p:cond delay="indefinite"/>
+                      </p:stCondLst>
+                      <p:childTnLst>
+                        <p:par>
+                          <p:cTn id="14" fill="hold">
+                            <p:stCondLst>
+                              <p:cond delay="0"/>
+                            </p:stCondLst>
+                            <p:childTnLst>
+                              <p:par>
+                                <p:cTn id="15" presetID="9" presetClass="entr" presetSubtype="0" fill="hold" nodeType="clickEffect">
+                                  <p:stCondLst>
+                                    <p:cond delay="0"/>
+                                  </p:stCondLst>
+                                  <p:childTnLst>
+                                    <p:set>
+                                      <p:cBhvr>
+                                        <p:cTn id="16" dur="1" fill="hold">
+                                          <p:stCondLst>
+                                            <p:cond delay="0"/>
+                                          </p:stCondLst>
+                                        </p:cTn>
+                                        <p:tgtEl>
+                                          <p:spTgt spid="1030"/>
+                                        </p:tgtEl>
+                                        <p:attrNameLst>
+                                          <p:attrName>style.visibility</p:attrName>
+                                        </p:attrNameLst>
+                                      </p:cBhvr>
+                                      <p:to>
+                                        <p:strVal val="visible"/>
+                                      </p:to>
+                                    </p:set>
+                                    <p:animEffect transition="in" filter="dissolve">
+                                      <p:cBhvr>
+                                        <p:cTn id="17" dur="500"/>
+                                        <p:tgtEl>
+                                          <p:spTgt spid="1030"/>
+                                        </p:tgtEl>
+                                      </p:cBhvr>
+                                    </p:animEffect>
+                                  </p:childTnLst>
+                                </p:cTn>
+                              </p:par>
+                            </p:childTnLst>
+                          </p:cTn>
+                        </p:par>
+                      </p:childTnLst>
+                    </p:cTn>
+                  </p:par>
+                </p:childTnLst>
+              </p:cTn>
+              <p:prevCondLst>
+                <p:cond evt="onPrev" delay="0">
+                  <p:tgtEl>
+                    <p:sldTgt/>
+                  </p:tgtEl>
+                </p:cond>
+              </p:prevCondLst>
+              <p:nextCondLst>
+                <p:cond evt="onNext" delay="0">
+                  <p:tgtEl>
+                    <p:sldTgt/>
+                  </p:tgtEl>
+                </p:cond>
+              </p:nextCondLst>
+            </p:seq>
+          </p:childTnLst>
+        </p:cTn>
+      </p:par>
+    </p:tnLst>
+  </p:timing>
 </p:sld>
 </file>
 
@@ -3792,7 +4174,7 @@
             </a:pPr>
             <a:r>
               <a:rPr lang="hu-HU" dirty="0"/>
-              <a:t>PHP kód létrehozás,</a:t>
+              <a:t> - PHP kód létrehozás, konvertálás JSON formátumban</a:t>
             </a:r>
           </a:p>
           <a:p>
@@ -3801,27 +4183,8 @@
             </a:pPr>
             <a:r>
               <a:rPr lang="hu-HU" dirty="0"/>
-              <a:t>Konvertálás JSON fájlba(Ne kelljen </a:t>
-            </a:r>
-            <a:r>
-              <a:rPr lang="hu-HU" dirty="0" err="1"/>
-              <a:t>splitelni</a:t>
-            </a:r>
-            <a:r>
-              <a:rPr lang="hu-HU" dirty="0"/>
-              <a:t>)</a:t>
-            </a:r>
-          </a:p>
-          <a:p>
-            <a:pPr marL="0" indent="0">
-              <a:buNone/>
-            </a:pPr>
-            <a:endParaRPr lang="hu-HU" dirty="0"/>
-          </a:p>
-          <a:p>
-            <a:pPr marL="0" indent="0">
-              <a:buNone/>
-            </a:pPr>
+              <a:t>- </a:t>
+            </a:r>
             <a:r>
               <a:rPr lang="hu-HU" dirty="0" err="1"/>
               <a:t>MySQL</a:t>
@@ -3837,15 +4200,7 @@
             </a:pPr>
             <a:r>
               <a:rPr lang="hu-HU" dirty="0"/>
-              <a:t>Adatok lekérdezése </a:t>
-            </a:r>
-            <a:r>
-              <a:rPr lang="hu-HU" dirty="0" err="1"/>
-              <a:t>PhP</a:t>
-            </a:r>
-            <a:r>
-              <a:rPr lang="hu-HU" dirty="0"/>
-              <a:t>-ban</a:t>
+              <a:t>- Adatok lekérdezése PHP-ban</a:t>
             </a:r>
           </a:p>
         </p:txBody>
@@ -3878,7 +4233,7 @@
         </p:blipFill>
         <p:spPr>
           <a:xfrm>
-            <a:off x="6206463" y="0"/>
+            <a:off x="6206463" y="241899"/>
             <a:ext cx="5985537" cy="3743661"/>
           </a:xfrm>
           <a:prstGeom prst="rect">
@@ -3932,6 +4287,154 @@
   <p:clrMapOvr>
     <a:masterClrMapping/>
   </p:clrMapOvr>
+  <mc:AlternateContent xmlns:mc="http://schemas.openxmlformats.org/markup-compatibility/2006">
+    <mc:Choice xmlns:p15="http://schemas.microsoft.com/office/powerpoint/2012/main" Requires="p15">
+      <p:transition xmlns:p14="http://schemas.microsoft.com/office/powerpoint/2010/main" spd="slow" p14:dur="1250">
+        <p15:prstTrans prst="airplane"/>
+      </p:transition>
+    </mc:Choice>
+    <mc:Fallback>
+      <p:transition spd="slow">
+        <p:fade/>
+      </p:transition>
+    </mc:Fallback>
+  </mc:AlternateContent>
+  <p:timing>
+    <p:tnLst>
+      <p:par>
+        <p:cTn id="1" dur="indefinite" restart="never" nodeType="tmRoot">
+          <p:childTnLst>
+            <p:seq concurrent="1" nextAc="seek">
+              <p:cTn id="2" dur="indefinite" nodeType="mainSeq">
+                <p:childTnLst>
+                  <p:par>
+                    <p:cTn id="3" fill="hold">
+                      <p:stCondLst>
+                        <p:cond delay="indefinite"/>
+                      </p:stCondLst>
+                      <p:childTnLst>
+                        <p:par>
+                          <p:cTn id="4" fill="hold">
+                            <p:stCondLst>
+                              <p:cond delay="0"/>
+                            </p:stCondLst>
+                            <p:childTnLst>
+                              <p:par>
+                                <p:cTn id="5" presetID="9" presetClass="entr" presetSubtype="0" fill="hold" nodeType="clickEffect">
+                                  <p:stCondLst>
+                                    <p:cond delay="0"/>
+                                  </p:stCondLst>
+                                  <p:childTnLst>
+                                    <p:set>
+                                      <p:cBhvr>
+                                        <p:cTn id="6" dur="1" fill="hold">
+                                          <p:stCondLst>
+                                            <p:cond delay="0"/>
+                                          </p:stCondLst>
+                                        </p:cTn>
+                                        <p:tgtEl>
+                                          <p:spTgt spid="5"/>
+                                        </p:tgtEl>
+                                        <p:attrNameLst>
+                                          <p:attrName>style.visibility</p:attrName>
+                                        </p:attrNameLst>
+                                      </p:cBhvr>
+                                      <p:to>
+                                        <p:strVal val="visible"/>
+                                      </p:to>
+                                    </p:set>
+                                    <p:animEffect transition="in" filter="dissolve">
+                                      <p:cBhvr>
+                                        <p:cTn id="7" dur="500"/>
+                                        <p:tgtEl>
+                                          <p:spTgt spid="5"/>
+                                        </p:tgtEl>
+                                      </p:cBhvr>
+                                    </p:animEffect>
+                                  </p:childTnLst>
+                                </p:cTn>
+                              </p:par>
+                            </p:childTnLst>
+                          </p:cTn>
+                        </p:par>
+                      </p:childTnLst>
+                    </p:cTn>
+                  </p:par>
+                  <p:par>
+                    <p:cTn id="8" fill="hold">
+                      <p:stCondLst>
+                        <p:cond delay="indefinite"/>
+                      </p:stCondLst>
+                      <p:childTnLst>
+                        <p:par>
+                          <p:cTn id="9" fill="hold">
+                            <p:stCondLst>
+                              <p:cond delay="0"/>
+                            </p:stCondLst>
+                            <p:childTnLst>
+                              <p:par>
+                                <p:cTn id="10" presetID="9" presetClass="entr" presetSubtype="0" fill="hold" nodeType="clickEffect">
+                                  <p:stCondLst>
+                                    <p:cond delay="0"/>
+                                  </p:stCondLst>
+                                  <p:childTnLst>
+                                    <p:set>
+                                      <p:cBhvr>
+                                        <p:cTn id="11" dur="1" fill="hold">
+                                          <p:stCondLst>
+                                            <p:cond delay="0"/>
+                                          </p:stCondLst>
+                                        </p:cTn>
+                                        <p:tgtEl>
+                                          <p:spTgt spid="7"/>
+                                        </p:tgtEl>
+                                        <p:attrNameLst>
+                                          <p:attrName>style.visibility</p:attrName>
+                                        </p:attrNameLst>
+                                      </p:cBhvr>
+                                      <p:to>
+                                        <p:strVal val="visible"/>
+                                      </p:to>
+                                    </p:set>
+                                    <p:animEffect transition="in" filter="dissolve">
+                                      <p:cBhvr>
+                                        <p:cTn id="12" dur="500"/>
+                                        <p:tgtEl>
+                                          <p:spTgt spid="7"/>
+                                        </p:tgtEl>
+                                      </p:cBhvr>
+                                    </p:animEffect>
+                                  </p:childTnLst>
+                                </p:cTn>
+                              </p:par>
+                            </p:childTnLst>
+                          </p:cTn>
+                        </p:par>
+                      </p:childTnLst>
+                    </p:cTn>
+                  </p:par>
+                </p:childTnLst>
+              </p:cTn>
+              <p:prevCondLst>
+                <p:cond evt="onPrev" delay="0">
+                  <p:tgtEl>
+                    <p:sldTgt/>
+                  </p:tgtEl>
+                </p:cond>
+              </p:prevCondLst>
+              <p:nextCondLst>
+                <p:cond evt="onNext" delay="0">
+                  <p:tgtEl>
+                    <p:sldTgt/>
+                  </p:tgtEl>
+                </p:cond>
+              </p:nextCondLst>
+            </p:seq>
+          </p:childTnLst>
+        </p:cTn>
+      </p:par>
+    </p:tnLst>
+  </p:timing>
 </p:sld>
 </file>
 
@@ -3975,7 +4478,7 @@
           <a:p>
             <a:r>
               <a:rPr lang="hu-HU" dirty="0"/>
-              <a:t>API(=</a:t>
+              <a:t>API (</a:t>
             </a:r>
             <a:r>
               <a:rPr lang="hu-HU" dirty="0" err="1"/>
@@ -4030,30 +4533,16 @@
             </a:pPr>
             <a:r>
               <a:rPr lang="hu-HU" dirty="0"/>
-              <a:t>Mire jó? </a:t>
-            </a:r>
-          </a:p>
-          <a:p>
+              <a:t>- Egy adott weboldalról le lehet kérni adatokat, amikkel a fejlesztő szabadon változókkal tud dolgozni. </a:t>
+            </a:r>
+          </a:p>
+          <a:p>
+            <a:pPr marL="0" indent="0">
+              <a:buNone/>
+            </a:pPr>
             <a:r>
               <a:rPr lang="hu-HU" dirty="0"/>
-              <a:t>Egy adott weboldalról (lehet bármi) le lehet kérni adatokat, amikkel a fejlesztő szabadon változókkal tud dolgozni. </a:t>
-            </a:r>
-          </a:p>
-          <a:p>
-            <a:pPr marL="0" indent="0">
-              <a:buNone/>
-            </a:pPr>
-            <a:r>
-              <a:rPr lang="hu-HU" dirty="0"/>
-              <a:t>Fontosabb </a:t>
-            </a:r>
-            <a:r>
-              <a:rPr lang="hu-HU" dirty="0" err="1"/>
-              <a:t>api</a:t>
-            </a:r>
-            <a:r>
-              <a:rPr lang="hu-HU" dirty="0"/>
-              <a:t>-k: Google </a:t>
+              <a:t>- Fontosabb API-ok: Google </a:t>
             </a:r>
             <a:r>
               <a:rPr lang="hu-HU" dirty="0" err="1"/>
@@ -4114,8 +4603,8 @@
         </p:blipFill>
         <p:spPr>
           <a:xfrm>
-            <a:off x="8670664" y="3667837"/>
-            <a:ext cx="3306168" cy="3190163"/>
+            <a:off x="4678878" y="3800518"/>
+            <a:ext cx="3070206" cy="2962480"/>
           </a:xfrm>
           <a:prstGeom prst="rect">
             <a:avLst/>
@@ -4132,6 +4621,101 @@
   <p:clrMapOvr>
     <a:masterClrMapping/>
   </p:clrMapOvr>
+  <mc:AlternateContent xmlns:mc="http://schemas.openxmlformats.org/markup-compatibility/2006">
+    <mc:Choice xmlns:p15="http://schemas.microsoft.com/office/powerpoint/2012/main" Requires="p15">
+      <p:transition xmlns:p14="http://schemas.microsoft.com/office/powerpoint/2010/main" spd="slow" p14:dur="1250">
+        <p15:prstTrans prst="airplane"/>
+      </p:transition>
+    </mc:Choice>
+    <mc:Fallback>
+      <p:transition spd="slow">
+        <p:fade/>
+      </p:transition>
+    </mc:Fallback>
+  </mc:AlternateContent>
+  <p:timing>
+    <p:tnLst>
+      <p:par>
+        <p:cTn id="1" dur="indefinite" restart="never" nodeType="tmRoot">
+          <p:childTnLst>
+            <p:seq concurrent="1" nextAc="seek">
+              <p:cTn id="2" dur="indefinite" nodeType="mainSeq">
+                <p:childTnLst>
+                  <p:par>
+                    <p:cTn id="3" fill="hold">
+                      <p:stCondLst>
+                        <p:cond delay="indefinite"/>
+                      </p:stCondLst>
+                      <p:childTnLst>
+                        <p:par>
+                          <p:cTn id="4" fill="hold">
+                            <p:stCondLst>
+                              <p:cond delay="0"/>
+                            </p:stCondLst>
+                            <p:childTnLst>
+                              <p:par>
+                                <p:cTn id="5" presetID="9" presetClass="entr" presetSubtype="0" fill="hold" nodeType="clickEffect">
+                                  <p:stCondLst>
+                                    <p:cond delay="0"/>
+                                  </p:stCondLst>
+                                  <p:childTnLst>
+                                    <p:set>
+                                      <p:cBhvr>
+                                        <p:cTn id="6" dur="1" fill="hold">
+                                          <p:stCondLst>
+                                            <p:cond delay="0"/>
+                                          </p:stCondLst>
+                                        </p:cTn>
+                                        <p:tgtEl>
+                                          <p:spTgt spid="5"/>
+                                        </p:tgtEl>
+                                        <p:attrNameLst>
+                                          <p:attrName>style.visibility</p:attrName>
+                                        </p:attrNameLst>
+                                      </p:cBhvr>
+                                      <p:to>
+                                        <p:strVal val="visible"/>
+                                      </p:to>
+                                    </p:set>
+                                    <p:animEffect transition="in" filter="dissolve">
+                                      <p:cBhvr>
+                                        <p:cTn id="7" dur="500"/>
+                                        <p:tgtEl>
+                                          <p:spTgt spid="5"/>
+                                        </p:tgtEl>
+                                      </p:cBhvr>
+                                    </p:animEffect>
+                                  </p:childTnLst>
+                                </p:cTn>
+                              </p:par>
+                            </p:childTnLst>
+                          </p:cTn>
+                        </p:par>
+                      </p:childTnLst>
+                    </p:cTn>
+                  </p:par>
+                </p:childTnLst>
+              </p:cTn>
+              <p:prevCondLst>
+                <p:cond evt="onPrev" delay="0">
+                  <p:tgtEl>
+                    <p:sldTgt/>
+                  </p:tgtEl>
+                </p:cond>
+              </p:prevCondLst>
+              <p:nextCondLst>
+                <p:cond evt="onNext" delay="0">
+                  <p:tgtEl>
+                    <p:sldTgt/>
+                  </p:tgtEl>
+                </p:cond>
+              </p:nextCondLst>
+            </p:seq>
+          </p:childTnLst>
+        </p:cTn>
+      </p:par>
+    </p:tnLst>
+  </p:timing>
 </p:sld>
 </file>
 
@@ -4230,6 +4814,18 @@
   <p:clrMapOvr>
     <a:masterClrMapping/>
   </p:clrMapOvr>
+  <mc:AlternateContent xmlns:mc="http://schemas.openxmlformats.org/markup-compatibility/2006">
+    <mc:Choice xmlns:p15="http://schemas.microsoft.com/office/powerpoint/2012/main" Requires="p15">
+      <p:transition xmlns:p14="http://schemas.microsoft.com/office/powerpoint/2010/main" spd="slow" p14:dur="1250">
+        <p15:prstTrans prst="airplane"/>
+      </p:transition>
+    </mc:Choice>
+    <mc:Fallback>
+      <p:transition spd="slow">
+        <p:fade/>
+      </p:transition>
+    </mc:Fallback>
+  </mc:AlternateContent>
 </p:sld>
 </file>
 
@@ -4336,8 +4932,21 @@
             </a:r>
             <a:r>
               <a:rPr lang="hu-HU" dirty="0"/>
-              <a:t>, Budapest Airport weboldala</a:t>
-            </a:r>
+              <a:t>, </a:t>
+            </a:r>
+            <a:r>
+              <a:rPr lang="hu-HU" dirty="0">
+                <a:hlinkClick r:id="rId4"/>
+              </a:rPr>
+              <a:t>Budapest Airpor</a:t>
+            </a:r>
+            <a:r>
+              <a:rPr lang="hu-HU" dirty="0">
+                <a:hlinkClick r:id="rId4"/>
+              </a:rPr>
+              <a:t>t</a:t>
+            </a:r>
+            <a:endParaRPr lang="hu-HU" dirty="0"/>
           </a:p>
         </p:txBody>
       </p:sp>
@@ -4356,7 +4965,7 @@
           <p:nvPr/>
         </p:nvPicPr>
         <p:blipFill>
-          <a:blip r:embed="rId4">
+          <a:blip r:embed="rId5">
             <a:extLst>
               <a:ext uri="{28A0092B-C50C-407E-A947-70E740481C1C}">
                 <a14:useLocalDpi xmlns:a14="http://schemas.microsoft.com/office/drawing/2010/main" val="0"/>
@@ -4387,6 +4996,18 @@
   <p:clrMapOvr>
     <a:masterClrMapping/>
   </p:clrMapOvr>
+  <mc:AlternateContent xmlns:mc="http://schemas.openxmlformats.org/markup-compatibility/2006">
+    <mc:Choice xmlns:p15="http://schemas.microsoft.com/office/powerpoint/2012/main" Requires="p15">
+      <p:transition xmlns:p14="http://schemas.microsoft.com/office/powerpoint/2010/main" spd="slow" p14:dur="1250">
+        <p15:prstTrans prst="airplane"/>
+      </p:transition>
+    </mc:Choice>
+    <mc:Fallback>
+      <p:transition spd="slow">
+        <p:fade/>
+      </p:transition>
+    </mc:Fallback>
+  </mc:AlternateContent>
 </p:sld>
 </file>
 
